--- a/PosterTemplate.pptx
+++ b/PosterTemplate.pptx
@@ -206,7 +206,7 @@
 </file>
 
 <file path=ppt/charts/chart1.xml><?xml version="1.0" encoding="utf-8"?>
-<c:chartSpace xmlns:c="http://schemas.openxmlformats.org/drawingml/2006/chart" xmlns:a="http://schemas.openxmlformats.org/drawingml/2006/main" xmlns:r="http://schemas.openxmlformats.org/officeDocument/2006/relationships">
+<c:chartSpace xmlns:c="http://schemas.openxmlformats.org/drawingml/2006/chart" xmlns:a="http://schemas.openxmlformats.org/drawingml/2006/main" xmlns:r="http://schemas.openxmlformats.org/officeDocument/2006/relationships" xmlns:c16r2="http://schemas.microsoft.com/office/drawing/2015/06/chart">
   <c:date1904 val="0"/>
   <c:lang val="en-US"/>
   <c:roundedCorners val="0"/>
@@ -301,6 +301,11 @@
               </c:numCache>
             </c:numRef>
           </c:val>
+          <c:extLst>
+            <c:ext xmlns:c16="http://schemas.microsoft.com/office/drawing/2014/chart" uri="{C3380CC4-5D6E-409C-BE32-E72D297353CC}">
+              <c16:uniqueId val="{00000000-82A5-3D45-BF14-757DE1C7EFEF}"/>
+            </c:ext>
+          </c:extLst>
         </c:ser>
         <c:ser>
           <c:idx val="1"/>
@@ -367,6 +372,11 @@
               </c:numCache>
             </c:numRef>
           </c:val>
+          <c:extLst>
+            <c:ext xmlns:c16="http://schemas.microsoft.com/office/drawing/2014/chart" uri="{C3380CC4-5D6E-409C-BE32-E72D297353CC}">
+              <c16:uniqueId val="{00000001-82A5-3D45-BF14-757DE1C7EFEF}"/>
+            </c:ext>
+          </c:extLst>
         </c:ser>
         <c:ser>
           <c:idx val="2"/>
@@ -433,6 +443,11 @@
               </c:numCache>
             </c:numRef>
           </c:val>
+          <c:extLst>
+            <c:ext xmlns:c16="http://schemas.microsoft.com/office/drawing/2014/chart" uri="{C3380CC4-5D6E-409C-BE32-E72D297353CC}">
+              <c16:uniqueId val="{00000002-82A5-3D45-BF14-757DE1C7EFEF}"/>
+            </c:ext>
+          </c:extLst>
         </c:ser>
         <c:dLbls>
           <c:showLegendKey val="0"/>
@@ -569,7 +584,6 @@
     </c:plotArea>
     <c:legend>
       <c:legendPos val="b"/>
-      <c:layout/>
       <c:overlay val="0"/>
       <c:spPr>
         <a:noFill/>
@@ -1270,7 +1284,7 @@
             <a:fld id="{6D19C340-D0E4-474D-AE7F-3F568C9F1FD1}" type="datetimeFigureOut">
               <a:rPr lang="en-US" altLang="en-US"/>
               <a:pPr/>
-              <a:t>4/4/2016</a:t>
+              <a:t>4/7/20</a:t>
             </a:fld>
             <a:endParaRPr lang="en-US" altLang="en-US"/>
           </a:p>
@@ -1306,7 +1320,7 @@
           <a:lstStyle/>
           <a:p>
             <a:pPr lvl="0"/>
-            <a:endParaRPr lang="en-US" noProof="0" smtClean="0"/>
+            <a:endParaRPr lang="en-US" noProof="0"/>
           </a:p>
         </p:txBody>
       </p:sp>
@@ -1335,38 +1349,38 @@
           <a:p>
             <a:pPr lvl="0"/>
             <a:r>
-              <a:rPr lang="en-GB" noProof="0" smtClean="0"/>
+              <a:rPr lang="en-GB" noProof="0"/>
               <a:t>Click to edit Master text styles</a:t>
             </a:r>
           </a:p>
           <a:p>
             <a:pPr lvl="1"/>
             <a:r>
-              <a:rPr lang="en-GB" noProof="0" smtClean="0"/>
+              <a:rPr lang="en-GB" noProof="0"/>
               <a:t>Second level</a:t>
             </a:r>
           </a:p>
           <a:p>
             <a:pPr lvl="2"/>
             <a:r>
-              <a:rPr lang="en-GB" noProof="0" smtClean="0"/>
+              <a:rPr lang="en-GB" noProof="0"/>
               <a:t>Third level</a:t>
             </a:r>
           </a:p>
           <a:p>
             <a:pPr lvl="3"/>
             <a:r>
-              <a:rPr lang="en-GB" noProof="0" smtClean="0"/>
+              <a:rPr lang="en-GB" noProof="0"/>
               <a:t>Fourth level</a:t>
             </a:r>
           </a:p>
           <a:p>
             <a:pPr lvl="4"/>
             <a:r>
-              <a:rPr lang="en-GB" noProof="0" smtClean="0"/>
+              <a:rPr lang="en-GB" noProof="0"/>
               <a:t>Fifth level</a:t>
             </a:r>
-            <a:endParaRPr lang="en-US" noProof="0" smtClean="0"/>
+            <a:endParaRPr lang="en-US" noProof="0"/>
           </a:p>
         </p:txBody>
       </p:sp>
@@ -1674,7 +1688,7 @@
                 <a:spcPct val="0"/>
               </a:spcBef>
             </a:pPr>
-            <a:endParaRPr lang="en-US" altLang="en-US" dirty="0" smtClean="0"/>
+            <a:endParaRPr lang="en-US" altLang="en-US" dirty="0"/>
           </a:p>
         </p:txBody>
       </p:sp>
@@ -1884,7 +1898,7 @@
           </a:lstStyle>
           <a:p>
             <a:r>
-              <a:rPr lang="en-US" smtClean="0"/>
+              <a:rPr lang="en-US"/>
               <a:t>Click to edit Master title style</a:t>
             </a:r>
             <a:endParaRPr lang="en-US" dirty="0"/>
@@ -1949,7 +1963,7 @@
           </a:lstStyle>
           <a:p>
             <a:r>
-              <a:rPr lang="en-US" smtClean="0"/>
+              <a:rPr lang="en-US"/>
               <a:t>Click to edit Master subtitle style</a:t>
             </a:r>
             <a:endParaRPr lang="en-US" dirty="0"/>
@@ -2070,7 +2084,7 @@
           <a:lstStyle/>
           <a:p>
             <a:r>
-              <a:rPr lang="en-US" smtClean="0"/>
+              <a:rPr lang="en-US"/>
               <a:t>Click to edit Master title style</a:t>
             </a:r>
             <a:endParaRPr lang="en-US" dirty="0"/>
@@ -2094,35 +2108,35 @@
           <a:p>
             <a:pPr lvl="0"/>
             <a:r>
-              <a:rPr lang="en-US" smtClean="0"/>
+              <a:rPr lang="en-US"/>
               <a:t>Click to edit Master text styles</a:t>
             </a:r>
           </a:p>
           <a:p>
             <a:pPr lvl="1"/>
             <a:r>
-              <a:rPr lang="en-US" smtClean="0"/>
+              <a:rPr lang="en-US"/>
               <a:t>Second level</a:t>
             </a:r>
           </a:p>
           <a:p>
             <a:pPr lvl="2"/>
             <a:r>
-              <a:rPr lang="en-US" smtClean="0"/>
+              <a:rPr lang="en-US"/>
               <a:t>Third level</a:t>
             </a:r>
           </a:p>
           <a:p>
             <a:pPr lvl="3"/>
             <a:r>
-              <a:rPr lang="en-US" smtClean="0"/>
+              <a:rPr lang="en-US"/>
               <a:t>Fourth level</a:t>
             </a:r>
           </a:p>
           <a:p>
             <a:pPr lvl="4"/>
             <a:r>
-              <a:rPr lang="en-US" smtClean="0"/>
+              <a:rPr lang="en-US"/>
               <a:t>Fifth level</a:t>
             </a:r>
             <a:endParaRPr lang="en-US" dirty="0"/>
@@ -2248,7 +2262,7 @@
           <a:lstStyle/>
           <a:p>
             <a:r>
-              <a:rPr lang="en-US" smtClean="0"/>
+              <a:rPr lang="en-US"/>
               <a:t>Click to edit Master title style</a:t>
             </a:r>
             <a:endParaRPr lang="en-US" dirty="0"/>
@@ -2277,35 +2291,35 @@
           <a:p>
             <a:pPr lvl="0"/>
             <a:r>
-              <a:rPr lang="en-US" smtClean="0"/>
+              <a:rPr lang="en-US"/>
               <a:t>Click to edit Master text styles</a:t>
             </a:r>
           </a:p>
           <a:p>
             <a:pPr lvl="1"/>
             <a:r>
-              <a:rPr lang="en-US" smtClean="0"/>
+              <a:rPr lang="en-US"/>
               <a:t>Second level</a:t>
             </a:r>
           </a:p>
           <a:p>
             <a:pPr lvl="2"/>
             <a:r>
-              <a:rPr lang="en-US" smtClean="0"/>
+              <a:rPr lang="en-US"/>
               <a:t>Third level</a:t>
             </a:r>
           </a:p>
           <a:p>
             <a:pPr lvl="3"/>
             <a:r>
-              <a:rPr lang="en-US" smtClean="0"/>
+              <a:rPr lang="en-US"/>
               <a:t>Fourth level</a:t>
             </a:r>
           </a:p>
           <a:p>
             <a:pPr lvl="4"/>
             <a:r>
-              <a:rPr lang="en-US" smtClean="0"/>
+              <a:rPr lang="en-US"/>
               <a:t>Fifth level</a:t>
             </a:r>
             <a:endParaRPr lang="en-US" dirty="0"/>
@@ -2426,7 +2440,7 @@
           <a:lstStyle/>
           <a:p>
             <a:r>
-              <a:rPr lang="en-US" smtClean="0"/>
+              <a:rPr lang="en-US"/>
               <a:t>Click to edit Master title style</a:t>
             </a:r>
             <a:endParaRPr lang="en-US" dirty="0"/>
@@ -2450,35 +2464,35 @@
           <a:p>
             <a:pPr lvl="0"/>
             <a:r>
-              <a:rPr lang="en-US" smtClean="0"/>
+              <a:rPr lang="en-US"/>
               <a:t>Click to edit Master text styles</a:t>
             </a:r>
           </a:p>
           <a:p>
             <a:pPr lvl="1"/>
             <a:r>
-              <a:rPr lang="en-US" smtClean="0"/>
+              <a:rPr lang="en-US"/>
               <a:t>Second level</a:t>
             </a:r>
           </a:p>
           <a:p>
             <a:pPr lvl="2"/>
             <a:r>
-              <a:rPr lang="en-US" smtClean="0"/>
+              <a:rPr lang="en-US"/>
               <a:t>Third level</a:t>
             </a:r>
           </a:p>
           <a:p>
             <a:pPr lvl="3"/>
             <a:r>
-              <a:rPr lang="en-US" smtClean="0"/>
+              <a:rPr lang="en-US"/>
               <a:t>Fourth level</a:t>
             </a:r>
           </a:p>
           <a:p>
             <a:pPr lvl="4"/>
             <a:r>
-              <a:rPr lang="en-US" smtClean="0"/>
+              <a:rPr lang="en-US"/>
               <a:t>Fifth level</a:t>
             </a:r>
             <a:endParaRPr lang="en-US" dirty="0"/>
@@ -2608,7 +2622,7 @@
           </a:lstStyle>
           <a:p>
             <a:r>
-              <a:rPr lang="en-US" smtClean="0"/>
+              <a:rPr lang="en-US"/>
               <a:t>Click to edit Master title style</a:t>
             </a:r>
             <a:endParaRPr lang="en-US" dirty="0"/>
@@ -2726,7 +2740,7 @@
           <a:p>
             <a:pPr lvl="0"/>
             <a:r>
-              <a:rPr lang="en-US" smtClean="0"/>
+              <a:rPr lang="en-US"/>
               <a:t>Click to edit Master text styles</a:t>
             </a:r>
           </a:p>
@@ -2846,7 +2860,7 @@
           <a:lstStyle/>
           <a:p>
             <a:r>
-              <a:rPr lang="en-US" smtClean="0"/>
+              <a:rPr lang="en-US"/>
               <a:t>Click to edit Master title style</a:t>
             </a:r>
             <a:endParaRPr lang="en-US" dirty="0"/>
@@ -2875,35 +2889,35 @@
           <a:p>
             <a:pPr lvl="0"/>
             <a:r>
-              <a:rPr lang="en-US" smtClean="0"/>
+              <a:rPr lang="en-US"/>
               <a:t>Click to edit Master text styles</a:t>
             </a:r>
           </a:p>
           <a:p>
             <a:pPr lvl="1"/>
             <a:r>
-              <a:rPr lang="en-US" smtClean="0"/>
+              <a:rPr lang="en-US"/>
               <a:t>Second level</a:t>
             </a:r>
           </a:p>
           <a:p>
             <a:pPr lvl="2"/>
             <a:r>
-              <a:rPr lang="en-US" smtClean="0"/>
+              <a:rPr lang="en-US"/>
               <a:t>Third level</a:t>
             </a:r>
           </a:p>
           <a:p>
             <a:pPr lvl="3"/>
             <a:r>
-              <a:rPr lang="en-US" smtClean="0"/>
+              <a:rPr lang="en-US"/>
               <a:t>Fourth level</a:t>
             </a:r>
           </a:p>
           <a:p>
             <a:pPr lvl="4"/>
             <a:r>
-              <a:rPr lang="en-US" smtClean="0"/>
+              <a:rPr lang="en-US"/>
               <a:t>Fifth level</a:t>
             </a:r>
             <a:endParaRPr lang="en-US" dirty="0"/>
@@ -2932,35 +2946,35 @@
           <a:p>
             <a:pPr lvl="0"/>
             <a:r>
-              <a:rPr lang="en-US" smtClean="0"/>
+              <a:rPr lang="en-US"/>
               <a:t>Click to edit Master text styles</a:t>
             </a:r>
           </a:p>
           <a:p>
             <a:pPr lvl="1"/>
             <a:r>
-              <a:rPr lang="en-US" smtClean="0"/>
+              <a:rPr lang="en-US"/>
               <a:t>Second level</a:t>
             </a:r>
           </a:p>
           <a:p>
             <a:pPr lvl="2"/>
             <a:r>
-              <a:rPr lang="en-US" smtClean="0"/>
+              <a:rPr lang="en-US"/>
               <a:t>Third level</a:t>
             </a:r>
           </a:p>
           <a:p>
             <a:pPr lvl="3"/>
             <a:r>
-              <a:rPr lang="en-US" smtClean="0"/>
+              <a:rPr lang="en-US"/>
               <a:t>Fourth level</a:t>
             </a:r>
           </a:p>
           <a:p>
             <a:pPr lvl="4"/>
             <a:r>
-              <a:rPr lang="en-US" smtClean="0"/>
+              <a:rPr lang="en-US"/>
               <a:t>Fifth level</a:t>
             </a:r>
             <a:endParaRPr lang="en-US" dirty="0"/>
@@ -3086,7 +3100,7 @@
           <a:lstStyle/>
           <a:p>
             <a:r>
-              <a:rPr lang="en-US" smtClean="0"/>
+              <a:rPr lang="en-US"/>
               <a:t>Click to edit Master title style</a:t>
             </a:r>
             <a:endParaRPr lang="en-US" dirty="0"/>
@@ -3152,7 +3166,7 @@
           <a:p>
             <a:pPr lvl="0"/>
             <a:r>
-              <a:rPr lang="en-US" smtClean="0"/>
+              <a:rPr lang="en-US"/>
               <a:t>Click to edit Master text styles</a:t>
             </a:r>
           </a:p>
@@ -3180,35 +3194,35 @@
           <a:p>
             <a:pPr lvl="0"/>
             <a:r>
-              <a:rPr lang="en-US" smtClean="0"/>
+              <a:rPr lang="en-US"/>
               <a:t>Click to edit Master text styles</a:t>
             </a:r>
           </a:p>
           <a:p>
             <a:pPr lvl="1"/>
             <a:r>
-              <a:rPr lang="en-US" smtClean="0"/>
+              <a:rPr lang="en-US"/>
               <a:t>Second level</a:t>
             </a:r>
           </a:p>
           <a:p>
             <a:pPr lvl="2"/>
             <a:r>
-              <a:rPr lang="en-US" smtClean="0"/>
+              <a:rPr lang="en-US"/>
               <a:t>Third level</a:t>
             </a:r>
           </a:p>
           <a:p>
             <a:pPr lvl="3"/>
             <a:r>
-              <a:rPr lang="en-US" smtClean="0"/>
+              <a:rPr lang="en-US"/>
               <a:t>Fourth level</a:t>
             </a:r>
           </a:p>
           <a:p>
             <a:pPr lvl="4"/>
             <a:r>
-              <a:rPr lang="en-US" smtClean="0"/>
+              <a:rPr lang="en-US"/>
               <a:t>Fifth level</a:t>
             </a:r>
             <a:endParaRPr lang="en-US" dirty="0"/>
@@ -3274,7 +3288,7 @@
           <a:p>
             <a:pPr lvl="0"/>
             <a:r>
-              <a:rPr lang="en-US" smtClean="0"/>
+              <a:rPr lang="en-US"/>
               <a:t>Click to edit Master text styles</a:t>
             </a:r>
           </a:p>
@@ -3302,35 +3316,35 @@
           <a:p>
             <a:pPr lvl="0"/>
             <a:r>
-              <a:rPr lang="en-US" smtClean="0"/>
+              <a:rPr lang="en-US"/>
               <a:t>Click to edit Master text styles</a:t>
             </a:r>
           </a:p>
           <a:p>
             <a:pPr lvl="1"/>
             <a:r>
-              <a:rPr lang="en-US" smtClean="0"/>
+              <a:rPr lang="en-US"/>
               <a:t>Second level</a:t>
             </a:r>
           </a:p>
           <a:p>
             <a:pPr lvl="2"/>
             <a:r>
-              <a:rPr lang="en-US" smtClean="0"/>
+              <a:rPr lang="en-US"/>
               <a:t>Third level</a:t>
             </a:r>
           </a:p>
           <a:p>
             <a:pPr lvl="3"/>
             <a:r>
-              <a:rPr lang="en-US" smtClean="0"/>
+              <a:rPr lang="en-US"/>
               <a:t>Fourth level</a:t>
             </a:r>
           </a:p>
           <a:p>
             <a:pPr lvl="4"/>
             <a:r>
-              <a:rPr lang="en-US" smtClean="0"/>
+              <a:rPr lang="en-US"/>
               <a:t>Fifth level</a:t>
             </a:r>
             <a:endParaRPr lang="en-US" dirty="0"/>
@@ -3451,7 +3465,7 @@
           <a:lstStyle/>
           <a:p>
             <a:r>
-              <a:rPr lang="en-US" smtClean="0"/>
+              <a:rPr lang="en-US"/>
               <a:t>Click to edit Master title style</a:t>
             </a:r>
             <a:endParaRPr lang="en-US" dirty="0"/>
@@ -3679,7 +3693,7 @@
           </a:lstStyle>
           <a:p>
             <a:r>
-              <a:rPr lang="en-US" smtClean="0"/>
+              <a:rPr lang="en-US"/>
               <a:t>Click to edit Master title style</a:t>
             </a:r>
             <a:endParaRPr lang="en-US" dirty="0"/>
@@ -3736,35 +3750,35 @@
           <a:p>
             <a:pPr lvl="0"/>
             <a:r>
-              <a:rPr lang="en-US" smtClean="0"/>
+              <a:rPr lang="en-US"/>
               <a:t>Click to edit Master text styles</a:t>
             </a:r>
           </a:p>
           <a:p>
             <a:pPr lvl="1"/>
             <a:r>
-              <a:rPr lang="en-US" smtClean="0"/>
+              <a:rPr lang="en-US"/>
               <a:t>Second level</a:t>
             </a:r>
           </a:p>
           <a:p>
             <a:pPr lvl="2"/>
             <a:r>
-              <a:rPr lang="en-US" smtClean="0"/>
+              <a:rPr lang="en-US"/>
               <a:t>Third level</a:t>
             </a:r>
           </a:p>
           <a:p>
             <a:pPr lvl="3"/>
             <a:r>
-              <a:rPr lang="en-US" smtClean="0"/>
+              <a:rPr lang="en-US"/>
               <a:t>Fourth level</a:t>
             </a:r>
           </a:p>
           <a:p>
             <a:pPr lvl="4"/>
             <a:r>
-              <a:rPr lang="en-US" smtClean="0"/>
+              <a:rPr lang="en-US"/>
               <a:t>Fifth level</a:t>
             </a:r>
             <a:endParaRPr lang="en-US" dirty="0"/>
@@ -3830,7 +3844,7 @@
           <a:p>
             <a:pPr lvl="0"/>
             <a:r>
-              <a:rPr lang="en-US" smtClean="0"/>
+              <a:rPr lang="en-US"/>
               <a:t>Click to edit Master text styles</a:t>
             </a:r>
           </a:p>
@@ -3959,7 +3973,7 @@
           </a:lstStyle>
           <a:p>
             <a:r>
-              <a:rPr lang="en-US" smtClean="0"/>
+              <a:rPr lang="en-US"/>
               <a:t>Click to edit Master title style</a:t>
             </a:r>
             <a:endParaRPr lang="en-US" dirty="0"/>
@@ -4024,7 +4038,7 @@
           </a:lstStyle>
           <a:p>
             <a:r>
-              <a:rPr lang="en-US" smtClean="0"/>
+              <a:rPr lang="en-US"/>
               <a:t>Click icon to add picture</a:t>
             </a:r>
             <a:endParaRPr lang="en-US" dirty="0"/>
@@ -4090,7 +4104,7 @@
           <a:p>
             <a:pPr lvl="0"/>
             <a:r>
-              <a:rPr lang="en-US" smtClean="0"/>
+              <a:rPr lang="en-US"/>
               <a:t>Click to edit Master text styles</a:t>
             </a:r>
           </a:p>
@@ -4225,7 +4239,7 @@
           <a:lstStyle/>
           <a:p>
             <a:r>
-              <a:rPr lang="en-US" smtClean="0"/>
+              <a:rPr lang="en-US"/>
               <a:t>Click to edit Master title style</a:t>
             </a:r>
             <a:endParaRPr lang="en-US" dirty="0"/>
@@ -4259,35 +4273,35 @@
           <a:p>
             <a:pPr lvl="0"/>
             <a:r>
-              <a:rPr lang="en-US" smtClean="0"/>
+              <a:rPr lang="en-US"/>
               <a:t>Click to edit Master text styles</a:t>
             </a:r>
           </a:p>
           <a:p>
             <a:pPr lvl="1"/>
             <a:r>
-              <a:rPr lang="en-US" smtClean="0"/>
+              <a:rPr lang="en-US"/>
               <a:t>Second level</a:t>
             </a:r>
           </a:p>
           <a:p>
             <a:pPr lvl="2"/>
             <a:r>
-              <a:rPr lang="en-US" smtClean="0"/>
+              <a:rPr lang="en-US"/>
               <a:t>Third level</a:t>
             </a:r>
           </a:p>
           <a:p>
             <a:pPr lvl="3"/>
             <a:r>
-              <a:rPr lang="en-US" smtClean="0"/>
+              <a:rPr lang="en-US"/>
               <a:t>Fourth level</a:t>
             </a:r>
           </a:p>
           <a:p>
             <a:pPr lvl="4"/>
             <a:r>
-              <a:rPr lang="en-US" smtClean="0"/>
+              <a:rPr lang="en-US"/>
               <a:t>Fifth level</a:t>
             </a:r>
             <a:endParaRPr lang="en-US" dirty="0"/>
@@ -4894,7 +4908,7 @@
               </a:spcBef>
             </a:pPr>
             <a:r>
-              <a:rPr lang="en-US" altLang="en-US" sz="3600" dirty="0" smtClean="0">
+              <a:rPr lang="en-US" altLang="en-US" sz="3600" dirty="0">
                 <a:latin typeface="Calibri" panose="020F0502020204030204" pitchFamily="34" charset="0"/>
                 <a:ea typeface="Ebrima" panose="02000000000000000000" pitchFamily="2" charset="0"/>
                 <a:cs typeface="Ebrima" panose="02000000000000000000" pitchFamily="2" charset="0"/>
@@ -4912,7 +4926,7 @@
               </a:spcBef>
             </a:pPr>
             <a:r>
-              <a:rPr lang="en-US" altLang="en-US" sz="3600" dirty="0" smtClean="0">
+              <a:rPr lang="en-US" altLang="en-US" sz="3600" dirty="0">
                 <a:latin typeface="Calibri" panose="020F0502020204030204" pitchFamily="34" charset="0"/>
                 <a:ea typeface="Ebrima" panose="02000000000000000000" pitchFamily="2" charset="0"/>
                 <a:cs typeface="Ebrima" panose="02000000000000000000" pitchFamily="2" charset="0"/>
@@ -4930,7 +4944,7 @@
               </a:spcBef>
             </a:pPr>
             <a:r>
-              <a:rPr lang="en-US" altLang="en-US" sz="3600" dirty="0" smtClean="0">
+              <a:rPr lang="en-US" altLang="en-US" sz="3600" dirty="0">
                 <a:latin typeface="Calibri" panose="020F0502020204030204" pitchFamily="34" charset="0"/>
                 <a:ea typeface="Ebrima" panose="02000000000000000000" pitchFamily="2" charset="0"/>
                 <a:cs typeface="Ebrima" panose="02000000000000000000" pitchFamily="2" charset="0"/>
@@ -4962,7 +4976,7 @@
                 <a:spcPts val="1800"/>
               </a:spcBef>
             </a:pPr>
-            <a:endParaRPr lang="en-US" altLang="en-US" sz="3600" dirty="0" smtClean="0">
+            <a:endParaRPr lang="en-US" altLang="en-US" sz="3600" dirty="0">
               <a:latin typeface="Calibri" panose="020F0502020204030204" pitchFamily="34" charset="0"/>
               <a:ea typeface="Ebrima" panose="02000000000000000000" pitchFamily="2" charset="0"/>
               <a:cs typeface="Ebrima" panose="02000000000000000000" pitchFamily="2" charset="0"/>
@@ -4977,7 +4991,7 @@
                 <a:spcPts val="1800"/>
               </a:spcBef>
             </a:pPr>
-            <a:endParaRPr lang="en-US" altLang="en-US" sz="3600" dirty="0" smtClean="0">
+            <a:endParaRPr lang="en-US" altLang="en-US" sz="3600" dirty="0">
               <a:latin typeface="Calibri" panose="020F0502020204030204" pitchFamily="34" charset="0"/>
               <a:ea typeface="Ebrima" panose="02000000000000000000" pitchFamily="2" charset="0"/>
               <a:cs typeface="Ebrima" panose="02000000000000000000" pitchFamily="2" charset="0"/>
@@ -4992,7 +5006,7 @@
                 <a:spcPts val="1800"/>
               </a:spcBef>
             </a:pPr>
-            <a:endParaRPr lang="en-US" altLang="en-US" sz="3600" dirty="0" smtClean="0">
+            <a:endParaRPr lang="en-US" altLang="en-US" sz="3600" dirty="0">
               <a:latin typeface="Calibri" panose="020F0502020204030204" pitchFamily="34" charset="0"/>
               <a:ea typeface="Ebrima" panose="02000000000000000000" pitchFamily="2" charset="0"/>
               <a:cs typeface="Ebrima" panose="02000000000000000000" pitchFamily="2" charset="0"/>
@@ -5007,7 +5021,7 @@
                 <a:spcPts val="1800"/>
               </a:spcBef>
             </a:pPr>
-            <a:endParaRPr lang="en-US" altLang="en-US" sz="3600" dirty="0" smtClean="0">
+            <a:endParaRPr lang="en-US" altLang="en-US" sz="3600" dirty="0">
               <a:latin typeface="Calibri" panose="020F0502020204030204" pitchFamily="34" charset="0"/>
               <a:ea typeface="Ebrima" panose="02000000000000000000" pitchFamily="2" charset="0"/>
               <a:cs typeface="Ebrima" panose="02000000000000000000" pitchFamily="2" charset="0"/>
@@ -5022,7 +5036,7 @@
                 <a:spcPts val="1800"/>
               </a:spcBef>
             </a:pPr>
-            <a:endParaRPr lang="en-US" altLang="en-US" sz="3600" dirty="0" smtClean="0">
+            <a:endParaRPr lang="en-US" altLang="en-US" sz="3600" dirty="0">
               <a:latin typeface="Calibri" panose="020F0502020204030204" pitchFamily="34" charset="0"/>
               <a:ea typeface="Ebrima" panose="02000000000000000000" pitchFamily="2" charset="0"/>
               <a:cs typeface="Ebrima" panose="02000000000000000000" pitchFamily="2" charset="0"/>
@@ -5038,7 +5052,7 @@
               </a:spcBef>
             </a:pPr>
             <a:r>
-              <a:rPr lang="en-US" altLang="en-US" sz="3600" dirty="0" smtClean="0">
+              <a:rPr lang="en-US" altLang="en-US" sz="3600" dirty="0">
                 <a:latin typeface="Calibri" panose="020F0502020204030204" pitchFamily="34" charset="0"/>
                 <a:ea typeface="Ebrima" panose="02000000000000000000" pitchFamily="2" charset="0"/>
                 <a:cs typeface="Ebrima" panose="02000000000000000000" pitchFamily="2" charset="0"/>
@@ -5056,7 +5070,7 @@
               </a:spcBef>
             </a:pPr>
             <a:r>
-              <a:rPr lang="en-US" altLang="en-US" sz="3600" dirty="0" smtClean="0">
+              <a:rPr lang="en-US" altLang="en-US" sz="3600" dirty="0">
                 <a:latin typeface="Calibri" panose="020F0502020204030204" pitchFamily="34" charset="0"/>
                 <a:ea typeface="Ebrima" panose="02000000000000000000" pitchFamily="2" charset="0"/>
                 <a:cs typeface="Ebrima" panose="02000000000000000000" pitchFamily="2" charset="0"/>
@@ -5074,7 +5088,7 @@
               </a:spcBef>
             </a:pPr>
             <a:r>
-              <a:rPr lang="en-US" altLang="en-US" sz="3600" dirty="0" smtClean="0">
+              <a:rPr lang="en-US" altLang="en-US" sz="3600" dirty="0">
                 <a:latin typeface="Calibri" panose="020F0502020204030204" pitchFamily="34" charset="0"/>
                 <a:ea typeface="Ebrima" panose="02000000000000000000" pitchFamily="2" charset="0"/>
                 <a:cs typeface="Ebrima" panose="02000000000000000000" pitchFamily="2" charset="0"/>
@@ -5093,20 +5107,12 @@
               <a:defRPr/>
             </a:pPr>
             <a:r>
-              <a:rPr lang="en-GB" sz="3600" dirty="0" smtClean="0">
-                <a:latin typeface="Calibri" panose="020F0502020204030204" pitchFamily="34" charset="0"/>
-                <a:ea typeface="Ebrima" panose="02000000000000000000" pitchFamily="2" charset="0"/>
-                <a:cs typeface="Ebrima" panose="02000000000000000000" pitchFamily="2" charset="0"/>
-              </a:rPr>
-              <a:t>For </a:t>
-            </a:r>
-            <a:r>
               <a:rPr lang="en-GB" sz="3600" dirty="0">
                 <a:latin typeface="Calibri" panose="020F0502020204030204" pitchFamily="34" charset="0"/>
                 <a:ea typeface="Ebrima" panose="02000000000000000000" pitchFamily="2" charset="0"/>
                 <a:cs typeface="Ebrima" panose="02000000000000000000" pitchFamily="2" charset="0"/>
               </a:rPr>
-              <a:t>more tips on creating posters see</a:t>
+              <a:t>For more tips on creating posters see</a:t>
             </a:r>
           </a:p>
           <a:p>
@@ -5148,69 +5154,43 @@
                 <a:ea typeface="Ebrima" panose="02000000000000000000" pitchFamily="2" charset="0"/>
                 <a:cs typeface="Ebrima" panose="02000000000000000000" pitchFamily="2" charset="0"/>
               </a:rPr>
-              <a:t>http://</a:t>
-            </a:r>
-            <a:r>
-              <a:rPr lang="en-GB" sz="3600" dirty="0" smtClean="0">
-                <a:latin typeface="Calibri" panose="020F0502020204030204" pitchFamily="34" charset="0"/>
-                <a:ea typeface="Ebrima" panose="02000000000000000000" pitchFamily="2" charset="0"/>
-                <a:cs typeface="Ebrima" panose="02000000000000000000" pitchFamily="2" charset="0"/>
-              </a:rPr>
-              <a:t>www.thescientist.com</a:t>
-            </a:r>
+              <a:t>http://www.thescientist.com/?articles.view/articleNo/31071/title/Poster-Perfect/Bullet </a:t>
+            </a:r>
+          </a:p>
+          <a:p>
+            <a:pPr eaLnBrk="1" hangingPunct="1">
+              <a:lnSpc>
+                <a:spcPts val="5000"/>
+              </a:lnSpc>
+              <a:spcBef>
+                <a:spcPts val="1200"/>
+              </a:spcBef>
+              <a:defRPr/>
+            </a:pPr>
+            <a:endParaRPr lang="en-GB" sz="3600" dirty="0">
+              <a:latin typeface="Calibri" panose="020F0502020204030204" pitchFamily="34" charset="0"/>
+              <a:ea typeface="Ebrima" panose="02000000000000000000" pitchFamily="2" charset="0"/>
+              <a:cs typeface="Ebrima" panose="02000000000000000000" pitchFamily="2" charset="0"/>
+            </a:endParaRPr>
+          </a:p>
+          <a:p>
+            <a:pPr eaLnBrk="1" hangingPunct="1">
+              <a:lnSpc>
+                <a:spcPts val="5000"/>
+              </a:lnSpc>
+              <a:spcBef>
+                <a:spcPts val="1200"/>
+              </a:spcBef>
+              <a:defRPr/>
+            </a:pPr>
             <a:r>
               <a:rPr lang="en-GB" sz="3600" dirty="0">
                 <a:latin typeface="Calibri" panose="020F0502020204030204" pitchFamily="34" charset="0"/>
                 <a:ea typeface="Ebrima" panose="02000000000000000000" pitchFamily="2" charset="0"/>
                 <a:cs typeface="Ebrima" panose="02000000000000000000" pitchFamily="2" charset="0"/>
               </a:rPr>
-              <a:t>/?articles.view/articleNo/31071/title/Poster-Perfect/Bullet </a:t>
-            </a:r>
-            <a:endParaRPr lang="en-GB" sz="3600" dirty="0" smtClean="0">
-              <a:latin typeface="Calibri" panose="020F0502020204030204" pitchFamily="34" charset="0"/>
-              <a:ea typeface="Ebrima" panose="02000000000000000000" pitchFamily="2" charset="0"/>
-              <a:cs typeface="Ebrima" panose="02000000000000000000" pitchFamily="2" charset="0"/>
-            </a:endParaRPr>
-          </a:p>
-          <a:p>
-            <a:pPr eaLnBrk="1" hangingPunct="1">
-              <a:lnSpc>
-                <a:spcPts val="5000"/>
-              </a:lnSpc>
-              <a:spcBef>
-                <a:spcPts val="1200"/>
-              </a:spcBef>
-              <a:defRPr/>
-            </a:pPr>
-            <a:endParaRPr lang="en-GB" sz="3600" dirty="0" smtClean="0">
-              <a:latin typeface="Calibri" panose="020F0502020204030204" pitchFamily="34" charset="0"/>
-              <a:ea typeface="Ebrima" panose="02000000000000000000" pitchFamily="2" charset="0"/>
-              <a:cs typeface="Ebrima" panose="02000000000000000000" pitchFamily="2" charset="0"/>
-            </a:endParaRPr>
-          </a:p>
-          <a:p>
-            <a:pPr eaLnBrk="1" hangingPunct="1">
-              <a:lnSpc>
-                <a:spcPts val="5000"/>
-              </a:lnSpc>
-              <a:spcBef>
-                <a:spcPts val="1200"/>
-              </a:spcBef>
-              <a:defRPr/>
-            </a:pPr>
-            <a:r>
-              <a:rPr lang="en-GB" sz="3600" dirty="0" smtClean="0">
-                <a:latin typeface="Calibri" panose="020F0502020204030204" pitchFamily="34" charset="0"/>
-                <a:ea typeface="Ebrima" panose="02000000000000000000" pitchFamily="2" charset="0"/>
-                <a:cs typeface="Ebrima" panose="02000000000000000000" pitchFamily="2" charset="0"/>
-              </a:rPr>
               <a:t>After text is finalized, in View menu check Ruler, Gridlines and Guides to check that headers, figures and text are nicely aligned. If figures are more narrow than the columns, align them centrally.</a:t>
             </a:r>
-            <a:endParaRPr lang="en-GB" sz="3600" dirty="0">
-              <a:latin typeface="Calibri" panose="020F0502020204030204" pitchFamily="34" charset="0"/>
-              <a:ea typeface="Ebrima" panose="02000000000000000000" pitchFamily="2" charset="0"/>
-              <a:cs typeface="Ebrima" panose="02000000000000000000" pitchFamily="2" charset="0"/>
-            </a:endParaRPr>
           </a:p>
           <a:p>
             <a:pPr marL="360000" indent="-360000" eaLnBrk="1" hangingPunct="1">
@@ -5395,7 +5375,7 @@
               </a:spcBef>
             </a:pPr>
             <a:r>
-              <a:rPr lang="en-US" altLang="en-US" sz="2400" dirty="0" smtClean="0">
+              <a:rPr lang="en-US" altLang="en-US" sz="2400" dirty="0">
                 <a:solidFill>
                   <a:schemeClr val="tx2"/>
                 </a:solidFill>
@@ -5406,7 +5386,7 @@
               <a:t>Acknowledgements in free form for administrative and financial help for the project, e.g. “The authors thank </a:t>
             </a:r>
             <a:r>
-              <a:rPr lang="en-US" sz="2400" dirty="0" smtClean="0">
+              <a:rPr lang="en-US" sz="2400" dirty="0">
                 <a:solidFill>
                   <a:schemeClr val="tx2"/>
                 </a:solidFill>
@@ -5415,7 +5395,7 @@
               <a:t>Academy of Motion Pictures for giving them the Oskar award. Funding provided by NSF grant #314159265”. </a:t>
             </a:r>
             <a:r>
-              <a:rPr lang="en-US" sz="2400" dirty="0" smtClean="0">
+              <a:rPr lang="en-US" sz="2400" dirty="0">
                 <a:solidFill>
                   <a:schemeClr val="tx2"/>
                 </a:solidFill>
@@ -5591,7 +5571,7 @@
               </a:spcBef>
             </a:pPr>
             <a:r>
-              <a:rPr lang="en-GB" altLang="en-US" sz="5400" b="1" dirty="0" smtClean="0">
+              <a:rPr lang="en-GB" altLang="en-US" sz="5400" b="1" dirty="0">
                 <a:solidFill>
                   <a:schemeClr val="bg1"/>
                 </a:solidFill>
@@ -5601,14 +5581,6 @@
               </a:rPr>
               <a:t> </a:t>
             </a:r>
-            <a:endParaRPr lang="en-GB" altLang="en-US" sz="5400" b="1" dirty="0">
-              <a:solidFill>
-                <a:schemeClr val="bg1"/>
-              </a:solidFill>
-              <a:latin typeface="Calibri" panose="020F0502020204030204" pitchFamily="34" charset="0"/>
-              <a:ea typeface="Ebrima" panose="02000000000000000000" pitchFamily="2" charset="0"/>
-              <a:cs typeface="Ebrima" panose="02000000000000000000" pitchFamily="2" charset="0"/>
-            </a:endParaRPr>
           </a:p>
         </p:txBody>
       </p:sp>
@@ -5831,7 +5803,7 @@
               </a:rPr>
               <a:t>Conclusions, again, should be brief, and they should leave the reader with a clear message to take away.</a:t>
             </a:r>
-            <a:endParaRPr lang="en-US" sz="3600" dirty="0" smtClean="0">
+            <a:endParaRPr lang="en-US" sz="3600" dirty="0">
               <a:latin typeface="Calibri" panose="020F0502020204030204" pitchFamily="34" charset="0"/>
               <a:ea typeface="Ebrima" panose="02000000000000000000" pitchFamily="2" charset="0"/>
               <a:cs typeface="Ebrima" panose="02000000000000000000" pitchFamily="2" charset="0"/>
@@ -5847,101 +5819,45 @@
               </a:spcBef>
               <a:defRPr/>
             </a:pPr>
-            <a:r>
-              <a:rPr lang="en-US" sz="3600" dirty="0" smtClean="0">
-                <a:latin typeface="Calibri" panose="020F0502020204030204" pitchFamily="34" charset="0"/>
-                <a:ea typeface="Ebrima" panose="02000000000000000000" pitchFamily="2" charset="0"/>
-                <a:cs typeface="Ebrima" panose="02000000000000000000" pitchFamily="2" charset="0"/>
-              </a:rPr>
-              <a:t>Save your poster as a PowerPoint as you go. Save the final version as print-quality PDF.  Preview</a:t>
-            </a:r>
             <a:r>
               <a:rPr lang="en-US" sz="3600" dirty="0">
                 <a:latin typeface="Calibri" panose="020F0502020204030204" pitchFamily="34" charset="0"/>
                 <a:ea typeface="Ebrima" panose="02000000000000000000" pitchFamily="2" charset="0"/>
                 <a:cs typeface="Ebrima" panose="02000000000000000000" pitchFamily="2" charset="0"/>
               </a:rPr>
-              <a:t>: To see your in poster in actual size, go to view-zoom-100%. It’s important to walk through your poster viewing it at 100% to be sure it’s going to look OK</a:t>
-            </a:r>
-            <a:r>
-              <a:rPr lang="en-US" sz="3600" dirty="0" smtClean="0">
+              <a:t>Save your poster as a PowerPoint as you go. Save the final version as print-quality PDF.  Preview: To see your in poster in actual size, go to view-zoom-100%. It’s important to walk through your poster viewing it at 100% to be sure it’s going to look OK. Then proofread a black-and-white printed copy before the final print. </a:t>
+            </a:r>
+            <a:r>
+              <a:rPr lang="en-US" altLang="en-US" sz="3600" dirty="0">
                 <a:latin typeface="Calibri" panose="020F0502020204030204" pitchFamily="34" charset="0"/>
                 <a:ea typeface="Ebrima" panose="02000000000000000000" pitchFamily="2" charset="0"/>
                 <a:cs typeface="Ebrima" panose="02000000000000000000" pitchFamily="2" charset="0"/>
               </a:rPr>
-              <a:t>. Then proofread a black-and-white </a:t>
-            </a:r>
+              <a:t>Spell check and get someone else to proof-read.</a:t>
+            </a:r>
+            <a:endParaRPr lang="en-US" sz="3600" dirty="0">
+              <a:latin typeface="Calibri" panose="020F0502020204030204" pitchFamily="34" charset="0"/>
+              <a:ea typeface="Ebrima" panose="02000000000000000000" pitchFamily="2" charset="0"/>
+              <a:cs typeface="Ebrima" panose="02000000000000000000" pitchFamily="2" charset="0"/>
+            </a:endParaRPr>
+          </a:p>
+          <a:p>
+            <a:pPr eaLnBrk="1" hangingPunct="1">
+              <a:lnSpc>
+                <a:spcPts val="5000"/>
+              </a:lnSpc>
+              <a:spcBef>
+                <a:spcPts val="1800"/>
+              </a:spcBef>
+              <a:defRPr/>
+            </a:pPr>
             <a:r>
               <a:rPr lang="en-US" sz="3600" dirty="0">
                 <a:latin typeface="Calibri" panose="020F0502020204030204" pitchFamily="34" charset="0"/>
                 <a:ea typeface="Ebrima" panose="02000000000000000000" pitchFamily="2" charset="0"/>
                 <a:cs typeface="Ebrima" panose="02000000000000000000" pitchFamily="2" charset="0"/>
               </a:rPr>
-              <a:t>printed copy before the final </a:t>
-            </a:r>
-            <a:r>
-              <a:rPr lang="en-US" sz="3600" dirty="0" smtClean="0">
-                <a:latin typeface="Calibri" panose="020F0502020204030204" pitchFamily="34" charset="0"/>
-                <a:ea typeface="Ebrima" panose="02000000000000000000" pitchFamily="2" charset="0"/>
-                <a:cs typeface="Ebrima" panose="02000000000000000000" pitchFamily="2" charset="0"/>
-              </a:rPr>
-              <a:t>print. </a:t>
-            </a:r>
-            <a:r>
-              <a:rPr lang="en-US" altLang="en-US" sz="3600" dirty="0">
-                <a:latin typeface="Calibri" panose="020F0502020204030204" pitchFamily="34" charset="0"/>
-                <a:ea typeface="Ebrima" panose="02000000000000000000" pitchFamily="2" charset="0"/>
-                <a:cs typeface="Ebrima" panose="02000000000000000000" pitchFamily="2" charset="0"/>
-              </a:rPr>
-              <a:t>Spell check and get someone else to proof-read</a:t>
-            </a:r>
-            <a:r>
-              <a:rPr lang="en-US" altLang="en-US" sz="3600" dirty="0" smtClean="0">
-                <a:latin typeface="Calibri" panose="020F0502020204030204" pitchFamily="34" charset="0"/>
-                <a:ea typeface="Ebrima" panose="02000000000000000000" pitchFamily="2" charset="0"/>
-                <a:cs typeface="Ebrima" panose="02000000000000000000" pitchFamily="2" charset="0"/>
-              </a:rPr>
-              <a:t>.</a:t>
-            </a:r>
-            <a:endParaRPr lang="en-US" sz="3600" dirty="0">
-              <a:latin typeface="Calibri" panose="020F0502020204030204" pitchFamily="34" charset="0"/>
-              <a:ea typeface="Ebrima" panose="02000000000000000000" pitchFamily="2" charset="0"/>
-              <a:cs typeface="Ebrima" panose="02000000000000000000" pitchFamily="2" charset="0"/>
-            </a:endParaRPr>
-          </a:p>
-          <a:p>
-            <a:pPr eaLnBrk="1" hangingPunct="1">
-              <a:lnSpc>
-                <a:spcPts val="5000"/>
-              </a:lnSpc>
-              <a:spcBef>
-                <a:spcPts val="1800"/>
-              </a:spcBef>
-              <a:defRPr/>
-            </a:pPr>
-            <a:r>
-              <a:rPr lang="en-US" sz="3600" dirty="0">
-                <a:latin typeface="Calibri" panose="020F0502020204030204" pitchFamily="34" charset="0"/>
-                <a:ea typeface="Ebrima" panose="02000000000000000000" pitchFamily="2" charset="0"/>
-                <a:cs typeface="Ebrima" panose="02000000000000000000" pitchFamily="2" charset="0"/>
-              </a:rPr>
-              <a:t>Note: Do not leave your poster until the last minute</a:t>
-            </a:r>
-            <a:r>
-              <a:rPr lang="en-US" sz="3600" dirty="0" smtClean="0">
-                <a:latin typeface="Calibri" panose="020F0502020204030204" pitchFamily="34" charset="0"/>
-                <a:ea typeface="Ebrima" panose="02000000000000000000" pitchFamily="2" charset="0"/>
-                <a:cs typeface="Ebrima" panose="02000000000000000000" pitchFamily="2" charset="0"/>
-              </a:rPr>
-              <a:t>. This is the first time CS department is doing poster presentation and there may be delays in the process. </a:t>
-            </a:r>
-            <a:r>
-              <a:rPr lang="en-US" sz="3600" dirty="0">
-                <a:latin typeface="Calibri" panose="020F0502020204030204" pitchFamily="34" charset="0"/>
-                <a:ea typeface="Ebrima" panose="02000000000000000000" pitchFamily="2" charset="0"/>
-                <a:cs typeface="Ebrima" panose="02000000000000000000" pitchFamily="2" charset="0"/>
-              </a:rPr>
-              <a:t>Allow at </a:t>
+              <a:t>Note: Do not leave your poster until the last minute. This is the first time CS department is doing poster presentation and there may be delays in the process. Allow at </a:t>
             </a:r>
             <a:r>
               <a:rPr lang="en-US" sz="3600">
@@ -5949,15 +5865,7 @@
                 <a:ea typeface="Ebrima" panose="02000000000000000000" pitchFamily="2" charset="0"/>
                 <a:cs typeface="Ebrima" panose="02000000000000000000" pitchFamily="2" charset="0"/>
               </a:rPr>
-              <a:t>least </a:t>
-            </a:r>
-            <a:r>
-              <a:rPr lang="en-US" sz="3600" smtClean="0">
-                <a:latin typeface="Calibri" panose="020F0502020204030204" pitchFamily="34" charset="0"/>
-                <a:ea typeface="Ebrima" panose="02000000000000000000" pitchFamily="2" charset="0"/>
-                <a:cs typeface="Ebrima" panose="02000000000000000000" pitchFamily="2" charset="0"/>
-              </a:rPr>
-              <a:t>3 </a:t>
+              <a:t>least 3 </a:t>
             </a:r>
             <a:r>
               <a:rPr lang="en-US" sz="3600" dirty="0">
@@ -6159,7 +6067,7 @@
               </a:lnSpc>
             </a:pPr>
             <a:r>
-              <a:rPr lang="en-GB" altLang="en-US" sz="2400" dirty="0" smtClean="0">
+              <a:rPr lang="en-GB" altLang="en-US" sz="2400" dirty="0">
                 <a:latin typeface="Calibri" panose="020F0502020204030204" pitchFamily="34" charset="0"/>
                 <a:ea typeface="Ebrima" panose="02000000000000000000" pitchFamily="2" charset="0"/>
                 <a:cs typeface="Ebrima" panose="02000000000000000000" pitchFamily="2" charset="0"/>
@@ -6186,7 +6094,7 @@
               </a:lnSpc>
             </a:pPr>
             <a:r>
-              <a:rPr lang="en-GB" altLang="en-US" sz="2400" dirty="0" smtClean="0">
+              <a:rPr lang="en-GB" altLang="en-US" sz="2400" dirty="0">
                 <a:latin typeface="Calibri" panose="020F0502020204030204" pitchFamily="34" charset="0"/>
                 <a:ea typeface="Ebrima" panose="02000000000000000000" pitchFamily="2" charset="0"/>
                 <a:cs typeface="Ebrima" panose="02000000000000000000" pitchFamily="2" charset="0"/>
@@ -6194,7 +6102,7 @@
               <a:t>Poster printing info. Students should ignore this. Ms. Judy Weaver oversees poster printing in </a:t>
             </a:r>
             <a:r>
-              <a:rPr lang="en-GB" altLang="en-US" sz="2400" dirty="0" err="1" smtClean="0">
+              <a:rPr lang="en-GB" altLang="en-US" sz="2400" dirty="0" err="1">
                 <a:latin typeface="Calibri" panose="020F0502020204030204" pitchFamily="34" charset="0"/>
                 <a:ea typeface="Ebrima" panose="02000000000000000000" pitchFamily="2" charset="0"/>
                 <a:cs typeface="Ebrima" panose="02000000000000000000" pitchFamily="2" charset="0"/>
@@ -6202,7 +6110,7 @@
               <a:t>Dept</a:t>
             </a:r>
             <a:r>
-              <a:rPr lang="en-GB" altLang="en-US" sz="2400" dirty="0" smtClean="0">
+              <a:rPr lang="en-GB" altLang="en-US" sz="2400" dirty="0">
                 <a:latin typeface="Calibri" panose="020F0502020204030204" pitchFamily="34" charset="0"/>
                 <a:ea typeface="Ebrima" panose="02000000000000000000" pitchFamily="2" charset="0"/>
                 <a:cs typeface="Ebrima" panose="02000000000000000000" pitchFamily="2" charset="0"/>
@@ -6210,39 +6118,15 @@
               <a:t> of Cell and Molecular Biology. Account number to use for IT is </a:t>
             </a:r>
             <a:r>
-              <a:rPr lang="en-US" altLang="en-US" sz="2400" dirty="0" smtClean="0">
-                <a:latin typeface="Calibri" panose="020F0502020204030204" pitchFamily="34" charset="0"/>
-                <a:ea typeface="Ebrima" panose="02000000000000000000" pitchFamily="2" charset="0"/>
-                <a:cs typeface="Ebrima" panose="02000000000000000000" pitchFamily="2" charset="0"/>
-              </a:rPr>
-              <a:t>8815 and plain 36-inch paper should be requested. Her office </a:t>
-            </a:r>
-            <a:r>
               <a:rPr lang="en-US" altLang="en-US" sz="2400" dirty="0">
                 <a:latin typeface="Calibri" panose="020F0502020204030204" pitchFamily="34" charset="0"/>
                 <a:ea typeface="Ebrima" panose="02000000000000000000" pitchFamily="2" charset="0"/>
                 <a:cs typeface="Ebrima" panose="02000000000000000000" pitchFamily="2" charset="0"/>
               </a:rPr>
-              <a:t>is in 4064 Stern and </a:t>
-            </a:r>
-            <a:r>
-              <a:rPr lang="en-US" altLang="en-US" sz="2400" dirty="0" smtClean="0">
-                <a:latin typeface="Calibri" panose="020F0502020204030204" pitchFamily="34" charset="0"/>
-                <a:ea typeface="Ebrima" panose="02000000000000000000" pitchFamily="2" charset="0"/>
-                <a:cs typeface="Ebrima" panose="02000000000000000000" pitchFamily="2" charset="0"/>
-              </a:rPr>
-              <a:t> number </a:t>
-            </a:r>
-            <a:r>
-              <a:rPr lang="en-US" altLang="en-US" sz="2400" dirty="0">
-                <a:latin typeface="Calibri" panose="020F0502020204030204" pitchFamily="34" charset="0"/>
-                <a:ea typeface="Ebrima" panose="02000000000000000000" pitchFamily="2" charset="0"/>
-                <a:cs typeface="Ebrima" panose="02000000000000000000" pitchFamily="2" charset="0"/>
-              </a:rPr>
-              <a:t>is 862-3160.</a:t>
-            </a:r>
-            <a:r>
-              <a:rPr lang="en-GB" altLang="en-US" sz="2400" dirty="0" smtClean="0">
+              <a:t>8815 and plain 36-inch paper should be requested. Her office is in 4064 Stern and  number is 862-3160.</a:t>
+            </a:r>
+            <a:r>
+              <a:rPr lang="en-GB" altLang="en-US" sz="2400" dirty="0">
                 <a:latin typeface="Calibri" panose="020F0502020204030204" pitchFamily="34" charset="0"/>
                 <a:ea typeface="Ebrima" panose="02000000000000000000" pitchFamily="2" charset="0"/>
                 <a:cs typeface="Ebrima" panose="02000000000000000000" pitchFamily="2" charset="0"/>
@@ -6406,14 +6290,14 @@
               </a:spcBef>
             </a:pPr>
             <a:r>
-              <a:rPr lang="en-US" altLang="en-US" sz="3600" dirty="0" smtClean="0">
+              <a:rPr lang="en-US" altLang="en-US" sz="3600" dirty="0">
                 <a:latin typeface="Calibri" panose="020F0502020204030204" pitchFamily="34" charset="0"/>
                 <a:ea typeface="Ebrima" panose="02000000000000000000" pitchFamily="2" charset="0"/>
                 <a:cs typeface="Ebrima" panose="02000000000000000000" pitchFamily="2" charset="0"/>
               </a:rPr>
               <a:t>It is not necessary to write in complete sentences; sentence fragments may be easier to comprehend. Bulleted lists are effective. An alternative is to break the text into chunks—small units that are not necessarily paragraphs in the usual sense. For presenting results, graphs and figures  are   preferred over tables for data presentation.  Legends should be minimal. A brief description of the implications of a graphic, placed just above or below it, is helpful. </a:t>
             </a:r>
-            <a:endParaRPr lang="en-GB" altLang="en-US" sz="3600" dirty="0" smtClean="0">
+            <a:endParaRPr lang="en-GB" altLang="en-US" sz="3600" dirty="0">
               <a:latin typeface="Calibri" panose="020F0502020204030204" pitchFamily="34" charset="0"/>
               <a:ea typeface="Ebrima" panose="02000000000000000000" pitchFamily="2" charset="0"/>
               <a:cs typeface="Ebrima" panose="02000000000000000000" pitchFamily="2" charset="0"/>
@@ -6429,7 +6313,7 @@
               </a:spcBef>
             </a:pPr>
             <a:r>
-              <a:rPr lang="en-US" altLang="en-US" sz="3600" dirty="0" smtClean="0">
+              <a:rPr lang="en-US" altLang="en-US" sz="3600" dirty="0">
                 <a:latin typeface="Calibri" panose="020F0502020204030204" pitchFamily="34" charset="0"/>
                 <a:ea typeface="Ebrima" panose="02000000000000000000" pitchFamily="2" charset="0"/>
                 <a:cs typeface="Ebrima" panose="02000000000000000000" pitchFamily="2" charset="0"/>
@@ -6607,29 +6491,16 @@
                 <a:ea typeface="Ebrima" panose="02000000000000000000" pitchFamily="2" charset="0"/>
                 <a:cs typeface="Ebrima" panose="02000000000000000000" pitchFamily="2" charset="0"/>
               </a:rPr>
-              <a:t>Fig. 1 </a:t>
-            </a:r>
-            <a:r>
-              <a:rPr lang="en-GB" altLang="en-US" sz="2400" b="1" dirty="0" smtClean="0">
-                <a:latin typeface="Calibri" panose="020F0502020204030204" pitchFamily="34" charset="0"/>
-                <a:ea typeface="Ebrima" panose="02000000000000000000" pitchFamily="2" charset="0"/>
-                <a:cs typeface="Ebrima" panose="02000000000000000000" pitchFamily="2" charset="0"/>
-              </a:rPr>
-              <a:t> </a:t>
-            </a:r>
-            <a:r>
-              <a:rPr lang="en-GB" altLang="en-US" sz="2400" dirty="0" smtClean="0">
+              <a:t>Fig. 1  </a:t>
+            </a:r>
+            <a:r>
+              <a:rPr lang="en-GB" altLang="en-US" sz="2400" dirty="0">
                 <a:latin typeface="Calibri" panose="020F0502020204030204" pitchFamily="34" charset="0"/>
                 <a:ea typeface="Ebrima" panose="02000000000000000000" pitchFamily="2" charset="0"/>
                 <a:cs typeface="Ebrima" panose="02000000000000000000" pitchFamily="2" charset="0"/>
               </a:rPr>
               <a:t>Caption here. White Rectangle. Anonymous.  Oil, canvas. </a:t>
             </a:r>
-            <a:endParaRPr lang="en-GB" altLang="en-US" sz="2400" dirty="0">
-              <a:latin typeface="Calibri" panose="020F0502020204030204" pitchFamily="34" charset="0"/>
-              <a:ea typeface="Ebrima" panose="02000000000000000000" pitchFamily="2" charset="0"/>
-              <a:cs typeface="Ebrima" panose="02000000000000000000" pitchFamily="2" charset="0"/>
-            </a:endParaRPr>
           </a:p>
         </p:txBody>
       </p:sp>
@@ -6644,7 +6515,7 @@
         <p:spPr bwMode="auto">
           <a:xfrm>
             <a:off x="738189" y="31064200"/>
-            <a:ext cx="14020799" cy="5683607"/>
+            <a:ext cx="14020799" cy="10415736"/>
           </a:xfrm>
           <a:prstGeom prst="rect">
             <a:avLst/>
@@ -6794,7 +6665,97 @@
               </a:spcBef>
             </a:pPr>
             <a:r>
-              <a:rPr lang="en-US" altLang="en-US" sz="3600" dirty="0" smtClean="0">
+              <a:rPr lang="en-US" altLang="en-US" sz="3600" dirty="0">
+                <a:latin typeface="Calibri" panose="020F0502020204030204" pitchFamily="34" charset="0"/>
+                <a:ea typeface="Ebrima" panose="02000000000000000000" pitchFamily="2" charset="0"/>
+                <a:cs typeface="Ebrima" panose="02000000000000000000" pitchFamily="2" charset="0"/>
+              </a:rPr>
+              <a:t>We focused our study on analyzing the text found on popular forum website, Reddit, due to its large number of users and posts. </a:t>
+            </a:r>
+          </a:p>
+          <a:p>
+            <a:pPr eaLnBrk="1" hangingPunct="1">
+              <a:lnSpc>
+                <a:spcPts val="5000"/>
+              </a:lnSpc>
+              <a:spcBef>
+                <a:spcPts val="1800"/>
+              </a:spcBef>
+            </a:pPr>
+            <a:r>
+              <a:rPr lang="en-US" altLang="en-US" sz="3600" dirty="0">
+                <a:latin typeface="Calibri" panose="020F0502020204030204" pitchFamily="34" charset="0"/>
+                <a:ea typeface="Ebrima" panose="02000000000000000000" pitchFamily="2" charset="0"/>
+                <a:cs typeface="Ebrima" panose="02000000000000000000" pitchFamily="2" charset="0"/>
+              </a:rPr>
+              <a:t>1. Identify 10 most popular subreddits on the following subjects: cryptocurrency, women’s issues, and the overall most popular.</a:t>
+            </a:r>
+          </a:p>
+          <a:p>
+            <a:pPr eaLnBrk="1" hangingPunct="1">
+              <a:lnSpc>
+                <a:spcPts val="5000"/>
+              </a:lnSpc>
+              <a:spcBef>
+                <a:spcPts val="1800"/>
+              </a:spcBef>
+            </a:pPr>
+            <a:r>
+              <a:rPr lang="en-US" altLang="en-US" sz="3600" dirty="0">
+                <a:latin typeface="Calibri" panose="020F0502020204030204" pitchFamily="34" charset="0"/>
+                <a:ea typeface="Ebrima" panose="02000000000000000000" pitchFamily="2" charset="0"/>
+                <a:cs typeface="Ebrima" panose="02000000000000000000" pitchFamily="2" charset="0"/>
+              </a:rPr>
+              <a:t>2. Using the Python Reddit API Wrapper, we scraped the 1,000 most recent posts with all their comments and compiled them into csv files.</a:t>
+            </a:r>
+          </a:p>
+          <a:p>
+            <a:pPr eaLnBrk="1" hangingPunct="1">
+              <a:lnSpc>
+                <a:spcPts val="5000"/>
+              </a:lnSpc>
+              <a:spcBef>
+                <a:spcPts val="1800"/>
+              </a:spcBef>
+            </a:pPr>
+            <a:r>
+              <a:rPr lang="en-US" altLang="en-US" sz="3600" dirty="0">
+                <a:latin typeface="Calibri" panose="020F0502020204030204" pitchFamily="34" charset="0"/>
+                <a:ea typeface="Ebrima" panose="02000000000000000000" pitchFamily="2" charset="0"/>
+                <a:cs typeface="Ebrima" panose="02000000000000000000" pitchFamily="2" charset="0"/>
+              </a:rPr>
+              <a:t>3. Cleaning data: </a:t>
+            </a:r>
+          </a:p>
+          <a:p>
+            <a:pPr eaLnBrk="1" hangingPunct="1">
+              <a:lnSpc>
+                <a:spcPts val="5000"/>
+              </a:lnSpc>
+              <a:spcBef>
+                <a:spcPts val="1800"/>
+              </a:spcBef>
+            </a:pPr>
+            <a:r>
+              <a:rPr lang="en-US" altLang="en-US" sz="3600" dirty="0">
+                <a:latin typeface="Calibri" panose="020F0502020204030204" pitchFamily="34" charset="0"/>
+                <a:ea typeface="Ebrima" panose="02000000000000000000" pitchFamily="2" charset="0"/>
+                <a:cs typeface="Ebrima" panose="02000000000000000000" pitchFamily="2" charset="0"/>
+              </a:rPr>
+              <a:t>4. </a:t>
+            </a:r>
+          </a:p>
+          <a:p>
+            <a:pPr eaLnBrk="1" hangingPunct="1">
+              <a:lnSpc>
+                <a:spcPts val="5000"/>
+              </a:lnSpc>
+              <a:spcBef>
+                <a:spcPts val="1800"/>
+              </a:spcBef>
+            </a:pPr>
+            <a:r>
+              <a:rPr lang="en-US" altLang="en-US" sz="3600" dirty="0">
                 <a:latin typeface="Calibri" panose="020F0502020204030204" pitchFamily="34" charset="0"/>
                 <a:ea typeface="Ebrima" panose="02000000000000000000" pitchFamily="2" charset="0"/>
                 <a:cs typeface="Ebrima" panose="02000000000000000000" pitchFamily="2" charset="0"/>
@@ -6802,7 +6763,7 @@
               <a:t>Images such as photographs, graphs, diagrams, logos, </a:t>
             </a:r>
             <a:r>
-              <a:rPr lang="en-US" altLang="en-US" sz="3600" dirty="0" err="1" smtClean="0">
+              <a:rPr lang="en-US" altLang="en-US" sz="3600" dirty="0" err="1">
                 <a:latin typeface="Calibri" panose="020F0502020204030204" pitchFamily="34" charset="0"/>
                 <a:ea typeface="Ebrima" panose="02000000000000000000" pitchFamily="2" charset="0"/>
                 <a:cs typeface="Ebrima" panose="02000000000000000000" pitchFamily="2" charset="0"/>
@@ -6810,7 +6771,7 @@
               <a:t>etc</a:t>
             </a:r>
             <a:r>
-              <a:rPr lang="en-US" altLang="en-US" sz="3600" dirty="0" smtClean="0">
+              <a:rPr lang="en-US" altLang="en-US" sz="3600" dirty="0">
                 <a:latin typeface="Calibri" panose="020F0502020204030204" pitchFamily="34" charset="0"/>
                 <a:ea typeface="Ebrima" panose="02000000000000000000" pitchFamily="2" charset="0"/>
                 <a:cs typeface="Ebrima" panose="02000000000000000000" pitchFamily="2" charset="0"/>
@@ -6828,30 +6789,12 @@
               </a:spcBef>
             </a:pPr>
             <a:r>
-              <a:rPr lang="en-US" altLang="en-US" sz="3600" dirty="0" smtClean="0">
+              <a:rPr lang="en-US" altLang="en-US" sz="3600" dirty="0">
                 <a:latin typeface="Calibri" panose="020F0502020204030204" pitchFamily="34" charset="0"/>
                 <a:ea typeface="Ebrima" panose="02000000000000000000" pitchFamily="2" charset="0"/>
                 <a:cs typeface="Ebrima" panose="02000000000000000000" pitchFamily="2" charset="0"/>
               </a:rPr>
               <a:t>Be aware of the image size you are importing. The average color photo (13 x 18cm at 180dpi) would be about 3Mb (1Mb for B/W greyscale) to look good printed. Avoid using  images optimized for the web. </a:t>
-            </a:r>
-          </a:p>
-          <a:p>
-            <a:pPr eaLnBrk="1" hangingPunct="1">
-              <a:lnSpc>
-                <a:spcPts val="5000"/>
-              </a:lnSpc>
-              <a:spcBef>
-                <a:spcPts val="1800"/>
-              </a:spcBef>
-            </a:pPr>
-            <a:r>
-              <a:rPr lang="en-US" altLang="en-US" sz="3600" dirty="0" smtClean="0">
-                <a:latin typeface="Calibri" panose="020F0502020204030204" pitchFamily="34" charset="0"/>
-                <a:ea typeface="Ebrima" panose="02000000000000000000" pitchFamily="2" charset="0"/>
-                <a:cs typeface="Ebrima" panose="02000000000000000000" pitchFamily="2" charset="0"/>
-              </a:rPr>
-              <a:t>Watch out for scientific symbols used in imported charts, which PowerPoint will not recognize.</a:t>
             </a:r>
           </a:p>
         </p:txBody>
@@ -7025,7 +6968,7 @@
             </a:lstStyle>
             <a:p>
               <a:r>
-                <a:rPr lang="en-GB" altLang="en-US" sz="6600" b="1" dirty="0" smtClean="0">
+                <a:rPr lang="en-GB" altLang="en-US" sz="6600" b="1" dirty="0">
                   <a:solidFill>
                     <a:srgbClr val="006684"/>
                   </a:solidFill>
@@ -7250,7 +7193,7 @@
             </a:lstStyle>
             <a:p>
               <a:r>
-                <a:rPr lang="en-GB" altLang="en-US" sz="6600" b="1" dirty="0" smtClean="0">
+                <a:rPr lang="en-GB" altLang="en-US" sz="6600" b="1" dirty="0">
                   <a:solidFill>
                     <a:srgbClr val="006684"/>
                   </a:solidFill>
@@ -7475,7 +7418,7 @@
             </a:lstStyle>
             <a:p>
               <a:r>
-                <a:rPr lang="en-GB" altLang="en-US" sz="6600" b="1" dirty="0" smtClean="0">
+                <a:rPr lang="en-GB" altLang="en-US" sz="6600" b="1" dirty="0">
                   <a:solidFill>
                     <a:srgbClr val="006684"/>
                   </a:solidFill>
@@ -8161,12 +8104,12 @@
               </a:lnSpc>
             </a:pPr>
             <a:r>
-              <a:rPr lang="en-US" altLang="en-US" sz="6600" b="1" dirty="0" smtClean="0">
+              <a:rPr lang="en-US" altLang="en-US" sz="6600" b="1" dirty="0">
                 <a:latin typeface="Calibri" panose="020F0502020204030204" pitchFamily="34" charset="0"/>
                 <a:ea typeface="Ebrima" panose="02000000000000000000" pitchFamily="2" charset="0"/>
                 <a:cs typeface="Ebrima" panose="02000000000000000000" pitchFamily="2" charset="0"/>
               </a:rPr>
-              <a:t>Title Using Mixed Case And Essential Words Only</a:t>
+              <a:t>Gender Neutral Language in Cryptocurrency Forums</a:t>
             </a:r>
           </a:p>
         </p:txBody>
@@ -8181,8 +8124,8 @@
         </p:nvSpPr>
         <p:spPr bwMode="auto">
           <a:xfrm>
-            <a:off x="8059802" y="2689427"/>
-            <a:ext cx="19769137" cy="964367"/>
+            <a:off x="8059802" y="1875124"/>
+            <a:ext cx="19769137" cy="2298834"/>
           </a:xfrm>
           <a:prstGeom prst="rect">
             <a:avLst/>
@@ -8329,18 +8272,110 @@
               </a:lnSpc>
             </a:pPr>
             <a:r>
-              <a:rPr lang="en-GB" altLang="en-US" sz="4000" b="1" dirty="0" smtClean="0">
+              <a:rPr lang="en-GB" altLang="en-US" sz="4000" b="1" dirty="0">
                 <a:latin typeface="Calibri" panose="020F0502020204030204" pitchFamily="34" charset="0"/>
                 <a:ea typeface="Ebrima" panose="02000000000000000000" pitchFamily="2" charset="0"/>
                 <a:cs typeface="Ebrima" panose="02000000000000000000" pitchFamily="2" charset="0"/>
               </a:rPr>
-              <a:t>Name and majors for each student followed by advisor(s) name and department affiliation(s)</a:t>
-            </a:r>
+              <a:t>Rosalind Kidwell | Computer Science &amp; Linguistics</a:t>
+            </a:r>
+          </a:p>
+          <a:p>
+            <a:pPr eaLnBrk="1" hangingPunct="1">
+              <a:lnSpc>
+                <a:spcPts val="3400"/>
+              </a:lnSpc>
+            </a:pPr>
+            <a:r>
+              <a:rPr lang="en-GB" altLang="en-US" sz="4000" b="1" dirty="0">
+                <a:latin typeface="Calibri" panose="020F0502020204030204" pitchFamily="34" charset="0"/>
+                <a:ea typeface="Ebrima" panose="02000000000000000000" pitchFamily="2" charset="0"/>
+                <a:cs typeface="Ebrima" panose="02000000000000000000" pitchFamily="2" charset="0"/>
+              </a:rPr>
+              <a:t>Ilana </a:t>
+            </a:r>
+            <a:r>
+              <a:rPr lang="en-GB" altLang="en-US" sz="4000" b="1" dirty="0" err="1">
+                <a:latin typeface="Calibri" panose="020F0502020204030204" pitchFamily="34" charset="0"/>
+                <a:ea typeface="Ebrima" panose="02000000000000000000" pitchFamily="2" charset="0"/>
+                <a:cs typeface="Ebrima" panose="02000000000000000000" pitchFamily="2" charset="0"/>
+              </a:rPr>
+              <a:t>Seidl</a:t>
+            </a:r>
+            <a:r>
+              <a:rPr lang="en-GB" altLang="en-US" sz="4000" b="1" dirty="0">
+                <a:latin typeface="Calibri" panose="020F0502020204030204" pitchFamily="34" charset="0"/>
+                <a:ea typeface="Ebrima" panose="02000000000000000000" pitchFamily="2" charset="0"/>
+                <a:cs typeface="Ebrima" panose="02000000000000000000" pitchFamily="2" charset="0"/>
+              </a:rPr>
+              <a:t> | Computer Science &amp; Psychology</a:t>
+            </a:r>
+          </a:p>
+          <a:p>
+            <a:pPr eaLnBrk="1" hangingPunct="1">
+              <a:lnSpc>
+                <a:spcPts val="3400"/>
+              </a:lnSpc>
+            </a:pPr>
+            <a:r>
+              <a:rPr lang="en-GB" altLang="en-US" sz="4000" b="1" dirty="0">
+                <a:latin typeface="Calibri" panose="020F0502020204030204" pitchFamily="34" charset="0"/>
+                <a:ea typeface="Ebrima" panose="02000000000000000000" pitchFamily="2" charset="0"/>
+                <a:cs typeface="Ebrima" panose="02000000000000000000" pitchFamily="2" charset="0"/>
+              </a:rPr>
+              <a:t>Chase Stockwell | Computer Science &amp; Finance</a:t>
+            </a:r>
+          </a:p>
+          <a:p>
+            <a:pPr eaLnBrk="1" hangingPunct="1">
+              <a:lnSpc>
+                <a:spcPts val="3400"/>
+              </a:lnSpc>
+            </a:pPr>
             <a:endParaRPr lang="en-GB" altLang="en-US" sz="4000" b="1" dirty="0">
               <a:latin typeface="Calibri" panose="020F0502020204030204" pitchFamily="34" charset="0"/>
               <a:ea typeface="Ebrima" panose="02000000000000000000" pitchFamily="2" charset="0"/>
               <a:cs typeface="Ebrima" panose="02000000000000000000" pitchFamily="2" charset="0"/>
             </a:endParaRPr>
+          </a:p>
+          <a:p>
+            <a:pPr eaLnBrk="1" hangingPunct="1">
+              <a:lnSpc>
+                <a:spcPts val="3400"/>
+              </a:lnSpc>
+            </a:pPr>
+            <a:r>
+              <a:rPr lang="en-GB" altLang="en-US" sz="4000" b="1" dirty="0" err="1">
+                <a:latin typeface="Calibri" panose="020F0502020204030204" pitchFamily="34" charset="0"/>
+                <a:ea typeface="Ebrima" panose="02000000000000000000" pitchFamily="2" charset="0"/>
+                <a:cs typeface="Ebrima" panose="02000000000000000000" pitchFamily="2" charset="0"/>
+              </a:rPr>
+              <a:t>Dr.</a:t>
+            </a:r>
+            <a:r>
+              <a:rPr lang="en-GB" altLang="en-US" sz="4000" b="1" dirty="0">
+                <a:latin typeface="Calibri" panose="020F0502020204030204" pitchFamily="34" charset="0"/>
+                <a:ea typeface="Ebrima" panose="02000000000000000000" pitchFamily="2" charset="0"/>
+                <a:cs typeface="Ebrima" panose="02000000000000000000" pitchFamily="2" charset="0"/>
+              </a:rPr>
+              <a:t> Nicholas </a:t>
+            </a:r>
+            <a:r>
+              <a:rPr lang="en-GB" altLang="en-US" sz="4000" b="1" dirty="0" err="1">
+                <a:latin typeface="Calibri" panose="020F0502020204030204" pitchFamily="34" charset="0"/>
+                <a:ea typeface="Ebrima" panose="02000000000000000000" pitchFamily="2" charset="0"/>
+                <a:cs typeface="Ebrima" panose="02000000000000000000" pitchFamily="2" charset="0"/>
+              </a:rPr>
+              <a:t>Mattei</a:t>
+            </a:r>
+            <a:r>
+              <a:rPr lang="en-GB" altLang="en-US" sz="4000" b="1" dirty="0">
+                <a:latin typeface="Calibri" panose="020F0502020204030204" pitchFamily="34" charset="0"/>
+                <a:ea typeface="Ebrima" panose="02000000000000000000" pitchFamily="2" charset="0"/>
+                <a:cs typeface="Ebrima" panose="02000000000000000000" pitchFamily="2" charset="0"/>
+              </a:rPr>
+              <a:t> | Department of Computer Science</a:t>
+            </a:r>
           </a:p>
         </p:txBody>
       </p:sp>
@@ -8493,28 +8528,13 @@
               </a:spcBef>
             </a:pPr>
             <a:r>
-              <a:rPr lang="en-US" altLang="en-US" sz="3600" dirty="0" smtClean="0">
+              <a:rPr lang="en-US" altLang="en-US" sz="3600" dirty="0">
                 <a:latin typeface="Calibri" panose="020F0502020204030204" pitchFamily="34" charset="0"/>
                 <a:ea typeface="Ebrima" panose="02000000000000000000" pitchFamily="2" charset="0"/>
                 <a:cs typeface="Ebrima" panose="02000000000000000000" pitchFamily="2" charset="0"/>
               </a:rPr>
-              <a:t>Overview/abstract of your project for general audience. Provide background information and motivation of work. In preparing a poster, simplicity is the key. A typical reader may spend only a few minutes looking at the poster, so there should be a minimum of clutter and a maximum of pithy, informative statements and attractive, enlightening graphics. A poster should tell a story. </a:t>
-            </a:r>
-          </a:p>
-          <a:p>
-            <a:pPr eaLnBrk="1" hangingPunct="1">
-              <a:lnSpc>
-                <a:spcPts val="5000"/>
-              </a:lnSpc>
-              <a:spcBef>
-                <a:spcPts val="1800"/>
-              </a:spcBef>
-            </a:pPr>
-            <a:endParaRPr lang="en-US" altLang="en-US" sz="3600" dirty="0" smtClean="0">
-              <a:latin typeface="Calibri" panose="020F0502020204030204" pitchFamily="34" charset="0"/>
-              <a:ea typeface="Ebrima" panose="02000000000000000000" pitchFamily="2" charset="0"/>
-              <a:cs typeface="Ebrima" panose="02000000000000000000" pitchFamily="2" charset="0"/>
-            </a:endParaRPr>
+              <a:t>As cryptocurrencies gain popularity and become more mainstream, </a:t>
+            </a:r>
           </a:p>
         </p:txBody>
       </p:sp>
@@ -9131,29 +9151,16 @@
                 <a:ea typeface="Ebrima" panose="02000000000000000000" pitchFamily="2" charset="0"/>
                 <a:cs typeface="Ebrima" panose="02000000000000000000" pitchFamily="2" charset="0"/>
               </a:rPr>
-              <a:t>Fig. </a:t>
-            </a:r>
-            <a:r>
-              <a:rPr lang="en-GB" altLang="en-US" sz="2400" b="1" dirty="0" smtClean="0">
-                <a:latin typeface="Calibri" panose="020F0502020204030204" pitchFamily="34" charset="0"/>
-                <a:ea typeface="Ebrima" panose="02000000000000000000" pitchFamily="2" charset="0"/>
-                <a:cs typeface="Ebrima" panose="02000000000000000000" pitchFamily="2" charset="0"/>
-              </a:rPr>
-              <a:t>2  </a:t>
-            </a:r>
-            <a:r>
-              <a:rPr lang="en-GB" altLang="en-US" sz="2400" dirty="0" smtClean="0">
+              <a:t>Fig. 2  </a:t>
+            </a:r>
+            <a:r>
+              <a:rPr lang="en-GB" altLang="en-US" sz="2400" dirty="0">
                 <a:latin typeface="Calibri" panose="020F0502020204030204" pitchFamily="34" charset="0"/>
                 <a:ea typeface="Ebrima" panose="02000000000000000000" pitchFamily="2" charset="0"/>
                 <a:cs typeface="Ebrima" panose="02000000000000000000" pitchFamily="2" charset="0"/>
               </a:rPr>
               <a:t>Caption here.  Winter fruit consumption per person, per day.</a:t>
             </a:r>
-            <a:endParaRPr lang="en-GB" altLang="en-US" sz="2400" dirty="0">
-              <a:latin typeface="Calibri" panose="020F0502020204030204" pitchFamily="34" charset="0"/>
-              <a:ea typeface="Ebrima" panose="02000000000000000000" pitchFamily="2" charset="0"/>
-              <a:cs typeface="Ebrima" panose="02000000000000000000" pitchFamily="2" charset="0"/>
-            </a:endParaRPr>
           </a:p>
         </p:txBody>
       </p:sp>
@@ -9162,13 +9169,6 @@
   <p:clrMapOvr>
     <a:masterClrMapping/>
   </p:clrMapOvr>
-  <p:timing>
-    <p:tnLst>
-      <p:par>
-        <p:cTn id="1" dur="indefinite" restart="never" nodeType="tmRoot"/>
-      </p:par>
-    </p:tnLst>
-  </p:timing>
 </p:sld>
 </file>
 
